--- a/website/Proekt_po_WebServer_3DPrintingService_RussiaPenza.pptx
+++ b/website/Proekt_po_WebServer_3DPrintingService_RussiaPenza.pptx
@@ -8205,37 +8205,9 @@
               <a:buNone/>
             </a:pPr>
             <a:r>
-              <a:rPr lang="ru" dirty="0"/>
-              <a:t>JavaScript</a:t>
-            </a:r>
-            <a:endParaRPr lang="en-US" dirty="0"/>
-          </a:p>
-          <a:p>
-            <a:pPr marL="0" lvl="0" indent="0" algn="l" rtl="0">
-              <a:spcBef>
-                <a:spcPts val="1600"/>
-              </a:spcBef>
-              <a:spcAft>
-                <a:spcPts val="0"/>
-              </a:spcAft>
-              <a:buNone/>
-            </a:pPr>
-            <a:r>
-              <a:rPr lang="ru" dirty="0"/>
-              <a:t>JSON</a:t>
-            </a:r>
-            <a:endParaRPr dirty="0"/>
-          </a:p>
-          <a:p>
-            <a:pPr marL="0" lvl="0" indent="0" algn="l" rtl="0">
-              <a:spcBef>
-                <a:spcPts val="1600"/>
-              </a:spcBef>
-              <a:spcAft>
-                <a:spcPts val="1600"/>
-              </a:spcAft>
-              <a:buNone/>
-            </a:pPr>
+              <a:rPr lang="en-US" dirty="0"/>
+              <a:t>JS</a:t>
+            </a:r>
             <a:endParaRPr dirty="0"/>
           </a:p>
         </p:txBody>

--- a/website/Proekt_po_WebServer_3DPrintingService_RussiaPenza.pptx
+++ b/website/Proekt_po_WebServer_3DPrintingService_RussiaPenza.pptx
@@ -8061,7 +8061,7 @@
         <p:spPr>
           <a:xfrm>
             <a:off x="3324446" y="445025"/>
-            <a:ext cx="5507853" cy="572700"/>
+            <a:ext cx="5507853" cy="941366"/>
           </a:xfrm>
           <a:prstGeom prst="rect">
             <a:avLst/>

--- a/website/Proekt_po_WebServer_3DPrintingService_RussiaPenza.pptx
+++ b/website/Proekt_po_WebServer_3DPrintingService_RussiaPenza.pptx
@@ -21,7 +21,7 @@
   <p:notesSz cx="6858000" cy="9144000"/>
   <p:embeddedFontLst>
     <p:embeddedFont>
-      <p:font typeface="Century Gothic" panose="020B0502020202020204" pitchFamily="34" charset="0"/>
+      <p:font typeface="Century Gothic" pitchFamily="34" charset="0"/>
       <p:regular r:id="rId11"/>
       <p:bold r:id="rId12"/>
       <p:italic r:id="rId13"/>
@@ -125,7 +125,7 @@
   </p:defaultTextStyle>
   <p:extLst>
     <p:ext uri="{EFAFB233-063F-42B5-8137-9DF3F51BA10A}">
-      <p15:sldGuideLst xmlns:p15="http://schemas.microsoft.com/office/powerpoint/2012/main">
+      <p15:sldGuideLst xmlns:p15="http://schemas.microsoft.com/office/powerpoint/2012/main" xmlns="">
         <p15:guide id="1" orient="horz" pos="1620">
           <p15:clr>
             <a:srgbClr val="A4A3A4"/>
@@ -7624,6 +7624,13 @@
   <p:clrMapOvr>
     <a:masterClrMapping/>
   </p:clrMapOvr>
+  <p:timing>
+    <p:tnLst>
+      <p:par>
+        <p:cTn id="1" dur="indefinite" restart="never" nodeType="tmRoot"/>
+      </p:par>
+    </p:tnLst>
+  </p:timing>
 </p:sld>
 </file>
 
@@ -7718,15 +7725,11 @@
             </a:pPr>
             <a:r>
               <a:rPr lang="ru" sz="3000" dirty="0"/>
-              <a:t>Разработать сайт интернет сервиса 3</a:t>
-            </a:r>
-            <a:r>
-              <a:rPr lang="en-US" sz="3000" dirty="0"/>
-              <a:t>D </a:t>
-            </a:r>
-            <a:r>
-              <a:rPr lang="ru-RU" sz="3000" dirty="0"/>
-              <a:t>печати</a:t>
+              <a:t>Разработать </a:t>
+            </a:r>
+            <a:r>
+              <a:rPr lang="ru" sz="3000" dirty="0" smtClean="0"/>
+              <a:t>сайт «компании»</a:t>
             </a:r>
             <a:endParaRPr sz="3000" dirty="0"/>
           </a:p>
@@ -7737,6 +7740,13 @@
   <p:clrMapOvr>
     <a:masterClrMapping/>
   </p:clrMapOvr>
+  <p:timing>
+    <p:tnLst>
+      <p:par>
+        <p:cTn id="1" dur="indefinite" restart="never" nodeType="tmRoot"/>
+      </p:par>
+    </p:tnLst>
+  </p:timing>
 </p:sld>
 </file>
 
@@ -7919,6 +7929,13 @@
   <p:clrMapOvr>
     <a:masterClrMapping/>
   </p:clrMapOvr>
+  <p:timing>
+    <p:tnLst>
+      <p:par>
+        <p:cTn id="1" dur="indefinite" restart="never" nodeType="tmRoot"/>
+      </p:par>
+    </p:tnLst>
+  </p:timing>
 </p:sld>
 </file>
 
@@ -8013,11 +8030,109 @@
             </a:pPr>
             <a:r>
               <a:rPr lang="ru-RU" dirty="0"/>
-              <a:t>На нашем сайте вы сможете увидеть новости о недавно вышедших программ и обновлений, скачать наши программы и игры, задать вопрос поддержке и помочь в </a:t>
-            </a:r>
-            <a:r>
-              <a:rPr lang="ru-RU"/>
-              <a:t>разработке сайта.</a:t>
+              <a:t>На нашем сайте вы </a:t>
+            </a:r>
+            <a:r>
+              <a:rPr lang="ru-RU" dirty="0" smtClean="0"/>
+              <a:t>сможете</a:t>
+            </a:r>
+            <a:r>
+              <a:rPr lang="en-US" dirty="0" smtClean="0"/>
+              <a:t>: </a:t>
+            </a:r>
+          </a:p>
+          <a:p>
+            <a:pPr marL="285750" indent="-285750" algn="just">
+              <a:spcAft>
+                <a:spcPts val="1600"/>
+              </a:spcAft>
+            </a:pPr>
+            <a:r>
+              <a:rPr lang="ru-RU" dirty="0" smtClean="0"/>
+              <a:t>увидеть </a:t>
+            </a:r>
+            <a:r>
+              <a:rPr lang="ru-RU" dirty="0"/>
+              <a:t>новости о недавно вышедших </a:t>
+            </a:r>
+            <a:r>
+              <a:rPr lang="ru-RU" dirty="0" smtClean="0"/>
+              <a:t>программах </a:t>
+            </a:r>
+            <a:r>
+              <a:rPr lang="ru-RU" dirty="0"/>
+              <a:t>и </a:t>
+            </a:r>
+            <a:r>
+              <a:rPr lang="ru-RU" dirty="0" smtClean="0"/>
+              <a:t>обновлениях</a:t>
+            </a:r>
+            <a:endParaRPr lang="en-US" dirty="0" smtClean="0"/>
+          </a:p>
+          <a:p>
+            <a:pPr marL="285750" indent="-285750" algn="just">
+              <a:spcAft>
+                <a:spcPts val="1600"/>
+              </a:spcAft>
+            </a:pPr>
+            <a:r>
+              <a:rPr lang="ru-RU" dirty="0" smtClean="0"/>
+              <a:t>скачать нами разработанные </a:t>
+            </a:r>
+            <a:r>
+              <a:rPr lang="ru-RU" dirty="0"/>
+              <a:t>программы и </a:t>
+            </a:r>
+            <a:r>
+              <a:rPr lang="ru-RU" dirty="0" smtClean="0"/>
+              <a:t>игры</a:t>
+            </a:r>
+            <a:endParaRPr lang="en-US" dirty="0" smtClean="0"/>
+          </a:p>
+          <a:p>
+            <a:pPr marL="285750" indent="-285750" algn="just">
+              <a:spcAft>
+                <a:spcPts val="1600"/>
+              </a:spcAft>
+            </a:pPr>
+            <a:r>
+              <a:rPr lang="ru-RU" dirty="0" smtClean="0"/>
+              <a:t>задать </a:t>
+            </a:r>
+            <a:r>
+              <a:rPr lang="ru-RU" dirty="0"/>
+              <a:t>вопрос </a:t>
+            </a:r>
+            <a:r>
+              <a:rPr lang="ru-RU" dirty="0" smtClean="0"/>
+              <a:t>администраторам сайта</a:t>
+            </a:r>
+          </a:p>
+          <a:p>
+            <a:pPr marL="285750" indent="-285750" algn="just">
+              <a:spcAft>
+                <a:spcPts val="1600"/>
+              </a:spcAft>
+            </a:pPr>
+            <a:r>
+              <a:rPr lang="ru-RU" dirty="0" smtClean="0"/>
+              <a:t> </a:t>
+            </a:r>
+            <a:r>
+              <a:rPr lang="ru-RU" dirty="0" smtClean="0"/>
+              <a:t>оказать </a:t>
+            </a:r>
+            <a:r>
+              <a:rPr lang="ru-RU" dirty="0" smtClean="0"/>
+              <a:t>помощь </a:t>
+            </a:r>
+            <a:r>
+              <a:rPr lang="ru-RU" dirty="0"/>
+              <a:t>в разработке </a:t>
+            </a:r>
+            <a:r>
+              <a:rPr lang="ru-RU" dirty="0" smtClean="0"/>
+              <a:t>сайта</a:t>
             </a:r>
             <a:endParaRPr dirty="0"/>
           </a:p>
@@ -8028,6 +8143,13 @@
   <p:clrMapOvr>
     <a:masterClrMapping/>
   </p:clrMapOvr>
+  <p:timing>
+    <p:tnLst>
+      <p:par>
+        <p:cTn id="1" dur="indefinite" restart="never" nodeType="tmRoot"/>
+      </p:par>
+    </p:tnLst>
+  </p:timing>
 </p:sld>
 </file>
 
@@ -8060,8 +8182,8 @@
         </p:nvSpPr>
         <p:spPr>
           <a:xfrm>
-            <a:off x="3324446" y="445025"/>
-            <a:ext cx="5507853" cy="941366"/>
+            <a:off x="2446638" y="461501"/>
+            <a:ext cx="6697362" cy="941366"/>
           </a:xfrm>
           <a:prstGeom prst="rect">
             <a:avLst/>
@@ -8084,7 +8206,19 @@
             </a:pPr>
             <a:r>
               <a:rPr lang="ru" dirty="0"/>
-              <a:t>Использованные технологии</a:t>
+              <a:t>Использованные </a:t>
+            </a:r>
+            <a:r>
+              <a:rPr lang="ru" dirty="0" smtClean="0"/>
+              <a:t>технологии</a:t>
+            </a:r>
+            <a:r>
+              <a:rPr lang="en-US" dirty="0" smtClean="0"/>
+              <a:t>, </a:t>
+            </a:r>
+            <a:r>
+              <a:rPr lang="ru-RU" dirty="0" smtClean="0"/>
+              <a:t>языки и библиотеки</a:t>
             </a:r>
             <a:endParaRPr dirty="0"/>
           </a:p>
@@ -8115,15 +8249,7 @@
           </a:bodyPr>
           <a:lstStyle/>
           <a:p>
-            <a:pPr marL="0" lvl="0" indent="0" algn="l" rtl="0">
-              <a:spcBef>
-                <a:spcPts val="0"/>
-              </a:spcBef>
-              <a:spcAft>
-                <a:spcPts val="0"/>
-              </a:spcAft>
-              <a:buNone/>
-            </a:pPr>
+            <a:pPr marL="285750" indent="-285750"/>
             <a:r>
               <a:rPr lang="ru" dirty="0"/>
               <a:t>Объектно Ориентированное программирование</a:t>
@@ -8131,82 +8257,61 @@
             <a:endParaRPr dirty="0"/>
           </a:p>
           <a:p>
-            <a:pPr marL="0" lvl="0" indent="0" algn="l" rtl="0">
+            <a:pPr marL="285750" indent="-285750">
               <a:spcBef>
                 <a:spcPts val="1600"/>
               </a:spcBef>
-              <a:spcAft>
-                <a:spcPts val="0"/>
-              </a:spcAft>
-              <a:buNone/>
             </a:pPr>
             <a:r>
-              <a:rPr lang="ru" dirty="0"/>
-              <a:t>Функциональное программирование </a:t>
-            </a:r>
-            <a:endParaRPr lang="en-US" dirty="0"/>
-          </a:p>
-          <a:p>
-            <a:pPr marL="0" lvl="0" indent="0" algn="l" rtl="0">
+              <a:rPr lang="ru" dirty="0" smtClean="0"/>
+              <a:t>HTML</a:t>
+            </a:r>
+            <a:endParaRPr dirty="0"/>
+          </a:p>
+          <a:p>
+            <a:pPr marL="285750" indent="-285750">
               <a:spcBef>
                 <a:spcPts val="1600"/>
               </a:spcBef>
-              <a:spcAft>
-                <a:spcPts val="0"/>
-              </a:spcAft>
-              <a:buNone/>
             </a:pPr>
             <a:r>
-              <a:rPr lang="en-US" dirty="0"/>
-              <a:t>Django</a:t>
+              <a:rPr lang="ru" dirty="0"/>
+              <a:t>CSS</a:t>
             </a:r>
             <a:endParaRPr dirty="0"/>
           </a:p>
           <a:p>
-            <a:pPr marL="0" lvl="0" indent="0" algn="l" rtl="0">
+            <a:pPr marL="285750" indent="-285750">
               <a:spcBef>
                 <a:spcPts val="1600"/>
               </a:spcBef>
-              <a:spcAft>
-                <a:spcPts val="0"/>
-              </a:spcAft>
-              <a:buNone/>
             </a:pPr>
             <a:r>
-              <a:rPr lang="ru" dirty="0"/>
-              <a:t>HTML</a:t>
-            </a:r>
-            <a:endParaRPr dirty="0"/>
-          </a:p>
-          <a:p>
-            <a:pPr marL="0" lvl="0" indent="0" algn="l" rtl="0">
+              <a:rPr lang="en-US" dirty="0" smtClean="0"/>
+              <a:t>JS</a:t>
+            </a:r>
+            <a:endParaRPr lang="ru-RU" dirty="0" smtClean="0"/>
+          </a:p>
+          <a:p>
+            <a:pPr marL="285750" indent="-285750">
               <a:spcBef>
                 <a:spcPts val="1600"/>
               </a:spcBef>
-              <a:spcAft>
-                <a:spcPts val="0"/>
-              </a:spcAft>
-              <a:buNone/>
             </a:pPr>
             <a:r>
-              <a:rPr lang="ru" dirty="0"/>
-              <a:t>CSS</a:t>
-            </a:r>
-            <a:endParaRPr dirty="0"/>
-          </a:p>
-          <a:p>
-            <a:pPr marL="0" lvl="0" indent="0" algn="l" rtl="0">
+              <a:rPr lang="en-US" dirty="0" smtClean="0"/>
+              <a:t>Python 3</a:t>
+            </a:r>
+          </a:p>
+          <a:p>
+            <a:pPr marL="285750" indent="-285750">
               <a:spcBef>
                 <a:spcPts val="1600"/>
               </a:spcBef>
-              <a:spcAft>
-                <a:spcPts val="0"/>
-              </a:spcAft>
-              <a:buNone/>
             </a:pPr>
             <a:r>
-              <a:rPr lang="en-US" dirty="0"/>
-              <a:t>JS</a:t>
+              <a:rPr lang="en-US" dirty="0" err="1" smtClean="0"/>
+              <a:t>Django</a:t>
             </a:r>
             <a:endParaRPr dirty="0"/>
           </a:p>
@@ -8217,6 +8322,13 @@
   <p:clrMapOvr>
     <a:masterClrMapping/>
   </p:clrMapOvr>
+  <p:timing>
+    <p:tnLst>
+      <p:par>
+        <p:cTn id="1" dur="indefinite" restart="never" nodeType="tmRoot"/>
+      </p:par>
+    </p:tnLst>
+  </p:timing>
 </p:sld>
 </file>
 
@@ -8247,19 +8359,32 @@
             <p:ph type="title"/>
           </p:nvPr>
         </p:nvSpPr>
-        <p:spPr/>
+        <p:spPr>
+          <a:xfrm>
+            <a:off x="1639330" y="247135"/>
+            <a:ext cx="7217684" cy="770590"/>
+          </a:xfrm>
+        </p:spPr>
         <p:txBody>
           <a:bodyPr>
             <a:normAutofit fontScale="90000"/>
           </a:bodyPr>
           <a:lstStyle/>
           <a:p>
+            <a:pPr algn="ctr"/>
             <a:r>
               <a:rPr lang="ru-RU" dirty="0"/>
               <a:t>Сайт </a:t>
             </a:r>
             <a:r>
-              <a:rPr lang="en-US" sz="3200" dirty="0"/>
+              <a:rPr lang="en-US" dirty="0" smtClean="0"/>
+              <a:t/>
+            </a:r>
+            <a:br>
+              <a:rPr lang="en-US" dirty="0" smtClean="0"/>
+            </a:br>
+            <a:r>
+              <a:rPr lang="en-US" sz="3200" dirty="0" smtClean="0"/>
               <a:t>"</a:t>
             </a:r>
             <a:r>
@@ -8279,7 +8404,7 @@
           <p:cNvPr id="5" name="Рисунок 4">
             <a:extLst>
               <a:ext uri="{FF2B5EF4-FFF2-40B4-BE49-F238E27FC236}">
-                <a16:creationId xmlns:a16="http://schemas.microsoft.com/office/drawing/2014/main" id="{8075D654-6186-45A5-B803-DD773E657731}"/>
+                <a16:creationId xmlns:a16="http://schemas.microsoft.com/office/drawing/2014/main" xmlns="" id="{8075D654-6186-45A5-B803-DD773E657731}"/>
               </a:ext>
             </a:extLst>
           </p:cNvPr>
@@ -8314,6 +8439,13 @@
   <p:clrMapOvr>
     <a:masterClrMapping/>
   </p:clrMapOvr>
+  <p:timing>
+    <p:tnLst>
+      <p:par>
+        <p:cTn id="1" dur="indefinite" restart="never" nodeType="tmRoot"/>
+      </p:par>
+    </p:tnLst>
+  </p:timing>
 </p:sld>
 </file>
 
@@ -8415,6 +8547,13 @@
   <p:clrMapOvr>
     <a:masterClrMapping/>
   </p:clrMapOvr>
+  <p:timing>
+    <p:tnLst>
+      <p:par>
+        <p:cTn id="1" dur="indefinite" restart="never" nodeType="tmRoot"/>
+      </p:par>
+    </p:tnLst>
+  </p:timing>
 </p:sld>
 </file>
 
@@ -8482,6 +8621,13 @@
   <p:clrMapOvr>
     <a:masterClrMapping/>
   </p:clrMapOvr>
+  <p:timing>
+    <p:tnLst>
+      <p:par>
+        <p:cTn id="1" dur="indefinite" restart="never" nodeType="tmRoot"/>
+      </p:par>
+    </p:tnLst>
+  </p:timing>
 </p:sld>
 </file>
 
@@ -8528,7 +8674,7 @@
     </a:clrScheme>
     <a:fontScheme name="След самолета">
       <a:majorFont>
-        <a:latin typeface="Century Gothic" panose="020B0502020202020204"/>
+        <a:latin typeface="Century Gothic"/>
         <a:ea typeface=""/>
         <a:cs typeface=""/>
         <a:font script="Jpan" typeface="ＭＳ Ｐゴシック"/>
@@ -8563,7 +8709,7 @@
         <a:font script="Geor" typeface="Sylfaen"/>
       </a:majorFont>
       <a:minorFont>
-        <a:latin typeface="Century Gothic" panose="020B0502020202020204"/>
+        <a:latin typeface="Century Gothic"/>
         <a:ea typeface=""/>
         <a:cs typeface=""/>
         <a:font script="Jpan" typeface="ＭＳ Ｐゴシック"/>
@@ -8749,7 +8895,7 @@
   <a:extraClrSchemeLst/>
   <a:extLst>
     <a:ext uri="{05A4C25C-085E-4340-85A3-A5531E510DB2}">
-      <thm15:themeFamily xmlns:thm15="http://schemas.microsoft.com/office/thememl/2012/main" name="Vapor Trail" id="{4FDF2955-7D9C-493C-B9F9-C205151B46CD}" vid="{8F31A783-2159-4870-BC29-2BA7D038EA44}"/>
+      <thm15:themeFamily xmlns:thm15="http://schemas.microsoft.com/office/thememl/2012/main" xmlns="" name="Vapor Trail" id="{4FDF2955-7D9C-493C-B9F9-C205151B46CD}" vid="{8F31A783-2159-4870-BC29-2BA7D038EA44}"/>
     </a:ext>
   </a:extLst>
 </a:theme>
